--- a/Meetings/M2 - Project Proposal.pptx
+++ b/Meetings/M2 - Project Proposal.pptx
@@ -21,61 +21,61 @@
   <p:notesSz cx="6858000" cy="9144000"/>
   <p:embeddedFontLst>
     <p:embeddedFont>
-      <p:font typeface="Squada One" panose="020B0604020202020204" charset="0"/>
+      <p:font typeface="Abel" panose="020B0604020202020204" charset="0"/>
       <p:regular r:id="rId11"/>
     </p:embeddedFont>
     <p:embeddedFont>
-      <p:font typeface="Lora" panose="020B0604020202020204" charset="0"/>
+      <p:font typeface="Fira Sans Condensed ExtraLight" panose="020B0604020202020204" charset="0"/>
       <p:regular r:id="rId12"/>
       <p:bold r:id="rId13"/>
       <p:italic r:id="rId14"/>
       <p:boldItalic r:id="rId15"/>
     </p:embeddedFont>
     <p:embeddedFont>
-      <p:font typeface="Georgia" panose="02040502050405020303" pitchFamily="18" charset="0"/>
+      <p:font typeface="Lora" panose="020B0604020202020204" charset="0"/>
       <p:regular r:id="rId16"/>
       <p:bold r:id="rId17"/>
       <p:italic r:id="rId18"/>
       <p:boldItalic r:id="rId19"/>
     </p:embeddedFont>
     <p:embeddedFont>
-      <p:font typeface="Fira Sans Condensed ExtraLight" panose="020B0604020202020204" charset="0"/>
+      <p:font typeface="Dosis" panose="020B0604020202020204" charset="0"/>
       <p:regular r:id="rId20"/>
       <p:bold r:id="rId21"/>
-      <p:italic r:id="rId22"/>
-      <p:boldItalic r:id="rId23"/>
     </p:embeddedFont>
     <p:embeddedFont>
       <p:font typeface="Staatliches" panose="020B0604020202020204" charset="0"/>
-      <p:regular r:id="rId24"/>
+      <p:regular r:id="rId22"/>
+    </p:embeddedFont>
+    <p:embeddedFont>
+      <p:font typeface="Georgia" panose="02040502050405020303" pitchFamily="18" charset="0"/>
+      <p:regular r:id="rId23"/>
+      <p:bold r:id="rId24"/>
+      <p:italic r:id="rId25"/>
+      <p:boldItalic r:id="rId26"/>
+    </p:embeddedFont>
+    <p:embeddedFont>
+      <p:font typeface="Squada One" panose="020B0604020202020204" charset="0"/>
+      <p:regular r:id="rId27"/>
+    </p:embeddedFont>
+    <p:embeddedFont>
+      <p:font typeface="Dosis ExtraLight" panose="020B0604020202020204" charset="0"/>
+      <p:regular r:id="rId28"/>
+      <p:bold r:id="rId29"/>
+    </p:embeddedFont>
+    <p:embeddedFont>
+      <p:font typeface="Fira Sans Extra Condensed Medium" panose="020B0604020202020204" charset="0"/>
+      <p:regular r:id="rId30"/>
+      <p:bold r:id="rId31"/>
+      <p:italic r:id="rId32"/>
+      <p:boldItalic r:id="rId33"/>
     </p:embeddedFont>
     <p:embeddedFont>
       <p:font typeface="Josefin Sans" panose="020B0604020202020204" charset="0"/>
-      <p:regular r:id="rId25"/>
-      <p:bold r:id="rId26"/>
-      <p:italic r:id="rId27"/>
-      <p:boldItalic r:id="rId28"/>
-    </p:embeddedFont>
-    <p:embeddedFont>
-      <p:font typeface="Abel" panose="020B0604020202020204" charset="0"/>
-      <p:regular r:id="rId29"/>
-    </p:embeddedFont>
-    <p:embeddedFont>
-      <p:font typeface="Dosis" panose="020B0604020202020204" charset="0"/>
-      <p:regular r:id="rId30"/>
-      <p:bold r:id="rId31"/>
-    </p:embeddedFont>
-    <p:embeddedFont>
-      <p:font typeface="Fira Sans Extra Condensed Medium" panose="020B0604020202020204" charset="0"/>
-      <p:regular r:id="rId32"/>
-      <p:bold r:id="rId33"/>
-      <p:italic r:id="rId34"/>
-      <p:boldItalic r:id="rId35"/>
-    </p:embeddedFont>
-    <p:embeddedFont>
-      <p:font typeface="Dosis ExtraLight" panose="020B0604020202020204" charset="0"/>
-      <p:regular r:id="rId36"/>
-      <p:bold r:id="rId37"/>
+      <p:regular r:id="rId34"/>
+      <p:bold r:id="rId35"/>
+      <p:italic r:id="rId36"/>
+      <p:boldItalic r:id="rId37"/>
     </p:embeddedFont>
   </p:embeddedFontLst>
   <p:defaultTextStyle>
@@ -50683,248 +50683,139 @@
           </a:bodyPr>
           <a:lstStyle/>
           <a:p>
-            <a:pPr marL="457200" marR="63500" lvl="0" indent="-323850" algn="l" rtl="0">
-              <a:lnSpc>
-                <a:spcPct val="103000"/>
-              </a:lnSpc>
-              <a:spcBef>
-                <a:spcPts val="0"/>
-              </a:spcBef>
-              <a:spcAft>
-                <a:spcPts val="0"/>
-              </a:spcAft>
-              <a:buSzPts val="1500"/>
-              <a:buFont typeface="Georgia"/>
+            <a:pPr marL="571500" lvl="0" indent="-457200">
+              <a:buFont typeface="+mj-lt"/>
               <a:buAutoNum type="arabicPeriod"/>
             </a:pPr>
             <a:r>
-              <a:rPr lang="en" sz="1500">
-                <a:latin typeface="Georgia"/>
-                <a:ea typeface="Georgia"/>
-                <a:cs typeface="Georgia"/>
-                <a:sym typeface="Georgia"/>
+              <a:rPr lang="en-GB">
+                <a:latin typeface="Times New Roman" panose="02020603050405020304" pitchFamily="18" charset="0"/>
+                <a:cs typeface="Times New Roman" panose="02020603050405020304" pitchFamily="18" charset="0"/>
               </a:rPr>
               <a:t>Study of Basics of Time-Series Analysis and Fundamentals of Trading</a:t>
             </a:r>
-            <a:endParaRPr sz="1500">
-              <a:latin typeface="Georgia"/>
-              <a:ea typeface="Georgia"/>
-              <a:cs typeface="Georgia"/>
-              <a:sym typeface="Georgia"/>
+            <a:endParaRPr lang="en-IN">
+              <a:latin typeface="Times New Roman" panose="02020603050405020304" pitchFamily="18" charset="0"/>
+              <a:cs typeface="Times New Roman" panose="02020603050405020304" pitchFamily="18" charset="0"/>
             </a:endParaRPr>
           </a:p>
           <a:p>
-            <a:pPr marL="457200" marR="63500" lvl="0" indent="-323850" algn="l" rtl="0">
-              <a:lnSpc>
-                <a:spcPct val="103000"/>
-              </a:lnSpc>
-              <a:spcBef>
-                <a:spcPts val="0"/>
-              </a:spcBef>
-              <a:spcAft>
-                <a:spcPts val="0"/>
-              </a:spcAft>
-              <a:buSzPts val="1500"/>
-              <a:buFont typeface="Georgia"/>
+            <a:pPr marL="571500" lvl="0" indent="-457200">
+              <a:buFont typeface="+mj-lt"/>
               <a:buAutoNum type="arabicPeriod"/>
             </a:pPr>
             <a:r>
-              <a:rPr lang="en" sz="1500">
-                <a:latin typeface="Georgia"/>
-                <a:ea typeface="Georgia"/>
-                <a:cs typeface="Georgia"/>
-                <a:sym typeface="Georgia"/>
+              <a:rPr lang="en-GB">
+                <a:latin typeface="Times New Roman" panose="02020603050405020304" pitchFamily="18" charset="0"/>
+                <a:cs typeface="Times New Roman" panose="02020603050405020304" pitchFamily="18" charset="0"/>
               </a:rPr>
-              <a:t>Collecting of Dataset and Data-set Pre-Processing &amp; Normalization</a:t>
+              <a:t>Collecting of Dataset and Data-set Pre-Processing &amp; Normalization </a:t>
             </a:r>
-            <a:endParaRPr sz="1500">
-              <a:latin typeface="Georgia"/>
-              <a:ea typeface="Georgia"/>
-              <a:cs typeface="Georgia"/>
-              <a:sym typeface="Georgia"/>
+            <a:endParaRPr lang="en-IN">
+              <a:latin typeface="Times New Roman" panose="02020603050405020304" pitchFamily="18" charset="0"/>
+              <a:cs typeface="Times New Roman" panose="02020603050405020304" pitchFamily="18" charset="0"/>
             </a:endParaRPr>
           </a:p>
           <a:p>
-            <a:pPr marL="457200" marR="63500" lvl="0" indent="-323850" algn="l" rtl="0">
-              <a:lnSpc>
-                <a:spcPct val="103000"/>
-              </a:lnSpc>
-              <a:spcBef>
-                <a:spcPts val="0"/>
-              </a:spcBef>
-              <a:spcAft>
-                <a:spcPts val="0"/>
-              </a:spcAft>
-              <a:buSzPts val="1500"/>
-              <a:buFont typeface="Georgia"/>
+            <a:pPr marL="571500" lvl="0" indent="-457200">
+              <a:buFont typeface="+mj-lt"/>
               <a:buAutoNum type="arabicPeriod"/>
             </a:pPr>
             <a:r>
-              <a:rPr lang="en" sz="1500">
-                <a:latin typeface="Georgia"/>
-                <a:ea typeface="Georgia"/>
-                <a:cs typeface="Georgia"/>
-                <a:sym typeface="Georgia"/>
+              <a:rPr lang="en-GB">
+                <a:latin typeface="Times New Roman" panose="02020603050405020304" pitchFamily="18" charset="0"/>
+                <a:cs typeface="Times New Roman" panose="02020603050405020304" pitchFamily="18" charset="0"/>
               </a:rPr>
-              <a:t>Study of Different Time-Series Models and Selection of Model</a:t>
+              <a:t>Study of Different Time-Series Models and Selection of Models</a:t>
             </a:r>
-            <a:endParaRPr sz="1500">
-              <a:latin typeface="Georgia"/>
-              <a:ea typeface="Georgia"/>
-              <a:cs typeface="Georgia"/>
-              <a:sym typeface="Georgia"/>
+            <a:endParaRPr lang="en-IN">
+              <a:latin typeface="Times New Roman" panose="02020603050405020304" pitchFamily="18" charset="0"/>
+              <a:cs typeface="Times New Roman" panose="02020603050405020304" pitchFamily="18" charset="0"/>
             </a:endParaRPr>
           </a:p>
           <a:p>
-            <a:pPr marL="457200" marR="63500" lvl="0" indent="-323850" algn="l" rtl="0">
-              <a:lnSpc>
-                <a:spcPct val="103000"/>
-              </a:lnSpc>
-              <a:spcBef>
-                <a:spcPts val="0"/>
-              </a:spcBef>
-              <a:spcAft>
-                <a:spcPts val="0"/>
-              </a:spcAft>
-              <a:buSzPts val="1500"/>
-              <a:buFont typeface="Georgia"/>
+            <a:pPr marL="571500" lvl="0" indent="-457200">
+              <a:buFont typeface="+mj-lt"/>
               <a:buAutoNum type="arabicPeriod"/>
             </a:pPr>
             <a:r>
-              <a:rPr lang="en" sz="1500">
-                <a:latin typeface="Georgia"/>
-                <a:ea typeface="Georgia"/>
-                <a:cs typeface="Georgia"/>
-                <a:sym typeface="Georgia"/>
+              <a:rPr lang="en-GB">
+                <a:latin typeface="Times New Roman" panose="02020603050405020304" pitchFamily="18" charset="0"/>
+                <a:cs typeface="Times New Roman" panose="02020603050405020304" pitchFamily="18" charset="0"/>
+              </a:rPr>
+              <a:t>Literature Review</a:t>
+            </a:r>
+            <a:endParaRPr lang="en-IN">
+              <a:latin typeface="Times New Roman" panose="02020603050405020304" pitchFamily="18" charset="0"/>
+              <a:cs typeface="Times New Roman" panose="02020603050405020304" pitchFamily="18" charset="0"/>
+            </a:endParaRPr>
+          </a:p>
+          <a:p>
+            <a:pPr marL="571500" lvl="0" indent="-457200">
+              <a:buFont typeface="+mj-lt"/>
+              <a:buAutoNum type="arabicPeriod"/>
+            </a:pPr>
+            <a:r>
+              <a:rPr lang="en-GB">
+                <a:latin typeface="Times New Roman" panose="02020603050405020304" pitchFamily="18" charset="0"/>
+                <a:cs typeface="Times New Roman" panose="02020603050405020304" pitchFamily="18" charset="0"/>
               </a:rPr>
               <a:t>Study of the Mathematical concepts behind the model</a:t>
             </a:r>
-            <a:endParaRPr sz="1500">
-              <a:latin typeface="Georgia"/>
-              <a:ea typeface="Georgia"/>
-              <a:cs typeface="Georgia"/>
-              <a:sym typeface="Georgia"/>
+            <a:endParaRPr lang="en-IN">
+              <a:latin typeface="Times New Roman" panose="02020603050405020304" pitchFamily="18" charset="0"/>
+              <a:cs typeface="Times New Roman" panose="02020603050405020304" pitchFamily="18" charset="0"/>
             </a:endParaRPr>
           </a:p>
           <a:p>
-            <a:pPr marL="457200" marR="63500" lvl="0" indent="-323850" algn="l" rtl="0">
-              <a:lnSpc>
-                <a:spcPct val="103000"/>
-              </a:lnSpc>
-              <a:spcBef>
-                <a:spcPts val="0"/>
-              </a:spcBef>
-              <a:spcAft>
-                <a:spcPts val="0"/>
-              </a:spcAft>
-              <a:buSzPts val="1500"/>
-              <a:buFont typeface="Georgia"/>
+            <a:pPr marL="571500" lvl="0" indent="-457200">
+              <a:buFont typeface="+mj-lt"/>
               <a:buAutoNum type="arabicPeriod"/>
             </a:pPr>
             <a:r>
-              <a:rPr lang="en" sz="1500">
-                <a:latin typeface="Georgia"/>
-                <a:ea typeface="Georgia"/>
-                <a:cs typeface="Georgia"/>
-                <a:sym typeface="Georgia"/>
+              <a:rPr lang="en-GB">
+                <a:latin typeface="Times New Roman" panose="02020603050405020304" pitchFamily="18" charset="0"/>
+                <a:cs typeface="Times New Roman" panose="02020603050405020304" pitchFamily="18" charset="0"/>
               </a:rPr>
               <a:t>Creation of Model using python and various python libraries as well as studying the various functions used in the model</a:t>
             </a:r>
-            <a:endParaRPr sz="1500">
-              <a:latin typeface="Georgia"/>
-              <a:ea typeface="Georgia"/>
-              <a:cs typeface="Georgia"/>
-              <a:sym typeface="Georgia"/>
+            <a:endParaRPr lang="en-IN">
+              <a:latin typeface="Times New Roman" panose="02020603050405020304" pitchFamily="18" charset="0"/>
+              <a:cs typeface="Times New Roman" panose="02020603050405020304" pitchFamily="18" charset="0"/>
             </a:endParaRPr>
           </a:p>
           <a:p>
-            <a:pPr marL="457200" marR="63500" lvl="0" indent="-323850" algn="l" rtl="0">
-              <a:lnSpc>
-                <a:spcPct val="103000"/>
-              </a:lnSpc>
-              <a:spcBef>
-                <a:spcPts val="0"/>
-              </a:spcBef>
-              <a:spcAft>
-                <a:spcPts val="0"/>
-              </a:spcAft>
-              <a:buSzPts val="1500"/>
-              <a:buFont typeface="Georgia"/>
+            <a:pPr marL="571500" lvl="0" indent="-457200">
+              <a:buFont typeface="+mj-lt"/>
               <a:buAutoNum type="arabicPeriod"/>
             </a:pPr>
             <a:r>
-              <a:rPr lang="en" sz="1500">
-                <a:latin typeface="Georgia"/>
-                <a:ea typeface="Georgia"/>
-                <a:cs typeface="Georgia"/>
-                <a:sym typeface="Georgia"/>
+              <a:rPr lang="en-GB">
+                <a:latin typeface="Times New Roman" panose="02020603050405020304" pitchFamily="18" charset="0"/>
+                <a:cs typeface="Times New Roman" panose="02020603050405020304" pitchFamily="18" charset="0"/>
               </a:rPr>
-              <a:t>Training and Testing of the Model</a:t>
+              <a:t>Training, Testing and Validation of the Model and Calculation of Error Values</a:t>
             </a:r>
-            <a:endParaRPr sz="1500">
-              <a:latin typeface="Georgia"/>
-              <a:ea typeface="Georgia"/>
-              <a:cs typeface="Georgia"/>
-              <a:sym typeface="Georgia"/>
+            <a:endParaRPr lang="en-IN">
+              <a:latin typeface="Times New Roman" panose="02020603050405020304" pitchFamily="18" charset="0"/>
+              <a:cs typeface="Times New Roman" panose="02020603050405020304" pitchFamily="18" charset="0"/>
             </a:endParaRPr>
           </a:p>
           <a:p>
-            <a:pPr marL="457200" marR="63500" lvl="0" indent="-323850" algn="l" rtl="0">
-              <a:lnSpc>
-                <a:spcPct val="103000"/>
-              </a:lnSpc>
-              <a:spcBef>
-                <a:spcPts val="0"/>
-              </a:spcBef>
-              <a:spcAft>
-                <a:spcPts val="0"/>
-              </a:spcAft>
-              <a:buSzPts val="1500"/>
-              <a:buFont typeface="Georgia"/>
+            <a:pPr marL="571500" lvl="0" indent="-457200">
+              <a:buFont typeface="+mj-lt"/>
               <a:buAutoNum type="arabicPeriod"/>
             </a:pPr>
             <a:r>
-              <a:rPr lang="en" sz="1500">
-                <a:latin typeface="Georgia"/>
-                <a:ea typeface="Georgia"/>
-                <a:cs typeface="Georgia"/>
-                <a:sym typeface="Georgia"/>
-              </a:rPr>
-              <a:t>Prediction of Stock Market Prices and Validation</a:t>
-            </a:r>
-            <a:endParaRPr sz="1500">
-              <a:latin typeface="Georgia"/>
-              <a:ea typeface="Georgia"/>
-              <a:cs typeface="Georgia"/>
-              <a:sym typeface="Georgia"/>
-            </a:endParaRPr>
-          </a:p>
-          <a:p>
-            <a:pPr marL="457200" lvl="0" indent="-323850" algn="l" rtl="0">
-              <a:spcBef>
-                <a:spcPts val="0"/>
-              </a:spcBef>
-              <a:spcAft>
-                <a:spcPts val="0"/>
-              </a:spcAft>
-              <a:buSzPts val="1500"/>
-              <a:buFont typeface="Georgia"/>
-              <a:buAutoNum type="arabicPeriod"/>
-            </a:pPr>
-            <a:r>
-              <a:rPr lang="en" sz="1500">
-                <a:latin typeface="Georgia"/>
-                <a:ea typeface="Georgia"/>
-                <a:cs typeface="Georgia"/>
-                <a:sym typeface="Georgia"/>
+              <a:rPr lang="en-GB">
+                <a:latin typeface="Times New Roman" panose="02020603050405020304" pitchFamily="18" charset="0"/>
+                <a:cs typeface="Times New Roman" panose="02020603050405020304" pitchFamily="18" charset="0"/>
               </a:rPr>
               <a:t>Final Project Report and Submission</a:t>
             </a:r>
-            <a:endParaRPr>
-              <a:latin typeface="Dosis ExtraLight"/>
-              <a:ea typeface="Dosis ExtraLight"/>
-              <a:cs typeface="Dosis ExtraLight"/>
-              <a:sym typeface="Dosis ExtraLight"/>
+            <a:endParaRPr lang="en-IN" dirty="0">
+              <a:latin typeface="Times New Roman" panose="02020603050405020304" pitchFamily="18" charset="0"/>
+              <a:cs typeface="Times New Roman" panose="02020603050405020304" pitchFamily="18" charset="0"/>
             </a:endParaRPr>
           </a:p>
         </p:txBody>
@@ -51915,7 +51806,7 @@
       </p:grpSp>
       <p:pic>
         <p:nvPicPr>
-          <p:cNvPr id="2" name="Picture 1"/>
+          <p:cNvPr id="14" name="Picture 13"/>
           <p:cNvPicPr>
             <a:picLocks noChangeAspect="1"/>
           </p:cNvPicPr>
@@ -51929,8 +51820,8 @@
         </p:blipFill>
         <p:spPr>
           <a:xfrm>
-            <a:off x="1060004" y="914168"/>
-            <a:ext cx="7229886" cy="3881119"/>
+            <a:off x="1527350" y="1009278"/>
+            <a:ext cx="6781589" cy="3644541"/>
           </a:xfrm>
           <a:prstGeom prst="rect">
             <a:avLst/>
@@ -52128,7 +52019,7 @@
         </p:nvSpPr>
         <p:spPr>
           <a:xfrm>
-            <a:off x="1104760" y="681925"/>
+            <a:off x="1124856" y="592225"/>
             <a:ext cx="7166100" cy="3769500"/>
           </a:xfrm>
           <a:prstGeom prst="rect">
@@ -52145,568 +52036,662 @@
           </a:bodyPr>
           <a:lstStyle/>
           <a:p>
-            <a:pPr marL="457200" indent="-304800" algn="just">
-              <a:lnSpc>
-                <a:spcPct val="115000"/>
-              </a:lnSpc>
-              <a:buClr>
-                <a:srgbClr val="D9D9D9"/>
-              </a:buClr>
-              <a:buSzPts val="1200"/>
-              <a:buFont typeface="Georgia"/>
+            <a:pPr marL="228600" lvl="0" indent="-228600">
+              <a:buFont typeface="+mj-lt"/>
               <a:buAutoNum type="arabicPeriod"/>
             </a:pPr>
             <a:r>
-              <a:rPr lang="en-IN" sz="1200" dirty="0" smtClean="0">
-                <a:solidFill>
-                  <a:srgbClr val="D9D9D9"/>
-                </a:solidFill>
-                <a:latin typeface="Georgia"/>
-                <a:ea typeface="Georgia"/>
-                <a:cs typeface="Georgia"/>
+              <a:rPr lang="en-IN" sz="1100" dirty="0">
+                <a:solidFill>
+                  <a:schemeClr val="accent3"/>
+                </a:solidFill>
+                <a:latin typeface="Times New Roman" panose="02020603050405020304" pitchFamily="18" charset="0"/>
+                <a:cs typeface="Times New Roman" panose="02020603050405020304" pitchFamily="18" charset="0"/>
               </a:rPr>
               <a:t>A 6 Step Field Guide for Building Machine Learning Projects by Daniel Bourke </a:t>
             </a:r>
           </a:p>
           <a:p>
-            <a:pPr marL="457200" indent="-304800" algn="just">
-              <a:lnSpc>
-                <a:spcPct val="115000"/>
-              </a:lnSpc>
-              <a:buClr>
-                <a:srgbClr val="D9D9D9"/>
-              </a:buClr>
-              <a:buSzPts val="1200"/>
-              <a:buFont typeface="Georgia"/>
+            <a:pPr marL="228600" lvl="0" indent="-228600">
+              <a:buFont typeface="+mj-lt"/>
               <a:buAutoNum type="arabicPeriod"/>
             </a:pPr>
             <a:r>
-              <a:rPr lang="en-IN" sz="1200" dirty="0" smtClean="0">
-                <a:solidFill>
-                  <a:srgbClr val="D9D9D9"/>
-                </a:solidFill>
-                <a:latin typeface="Georgia"/>
-                <a:ea typeface="Georgia"/>
-                <a:cs typeface="Georgia"/>
+              <a:rPr lang="en-IN" sz="1100" dirty="0">
+                <a:solidFill>
+                  <a:schemeClr val="accent3"/>
+                </a:solidFill>
+                <a:latin typeface="Times New Roman" panose="02020603050405020304" pitchFamily="18" charset="0"/>
+                <a:cs typeface="Times New Roman" panose="02020603050405020304" pitchFamily="18" charset="0"/>
               </a:rPr>
               <a:t>Introduction to Time Series Forecasting With Python by Jason Brownlee</a:t>
             </a:r>
           </a:p>
           <a:p>
-            <a:pPr marL="457200" indent="-304800" algn="just">
-              <a:lnSpc>
-                <a:spcPct val="115000"/>
-              </a:lnSpc>
-              <a:buClr>
-                <a:srgbClr val="D9D9D9"/>
-              </a:buClr>
-              <a:buSzPts val="1200"/>
-              <a:buFont typeface="Georgia"/>
+            <a:pPr marL="228600" lvl="0" indent="-228600">
+              <a:buFont typeface="+mj-lt"/>
               <a:buAutoNum type="arabicPeriod"/>
             </a:pPr>
             <a:r>
-              <a:rPr lang="en-IN" sz="1200" dirty="0" smtClean="0">
-                <a:solidFill>
-                  <a:srgbClr val="D9D9D9"/>
-                </a:solidFill>
-                <a:latin typeface="Georgia"/>
-                <a:ea typeface="Georgia"/>
-                <a:cs typeface="Georgia"/>
+              <a:rPr lang="en-IN" sz="1100" dirty="0">
+                <a:solidFill>
+                  <a:schemeClr val="accent3"/>
+                </a:solidFill>
+                <a:latin typeface="Times New Roman" panose="02020603050405020304" pitchFamily="18" charset="0"/>
+                <a:cs typeface="Times New Roman" panose="02020603050405020304" pitchFamily="18" charset="0"/>
               </a:rPr>
               <a:t>Contreras, 1. </a:t>
             </a:r>
             <a:r>
-              <a:rPr lang="en-IN" sz="1200" dirty="0" err="1" smtClean="0">
-                <a:solidFill>
-                  <a:srgbClr val="D9D9D9"/>
-                </a:solidFill>
-                <a:latin typeface="Georgia"/>
-                <a:ea typeface="Georgia"/>
-                <a:cs typeface="Georgia"/>
+              <a:rPr lang="en-IN" sz="1100" dirty="0" err="1">
+                <a:solidFill>
+                  <a:schemeClr val="accent3"/>
+                </a:solidFill>
+                <a:latin typeface="Times New Roman" panose="02020603050405020304" pitchFamily="18" charset="0"/>
+                <a:cs typeface="Times New Roman" panose="02020603050405020304" pitchFamily="18" charset="0"/>
               </a:rPr>
               <a:t>Espinola</a:t>
             </a:r>
             <a:r>
-              <a:rPr lang="en-IN" sz="1200" dirty="0" smtClean="0">
-                <a:solidFill>
-                  <a:srgbClr val="D9D9D9"/>
-                </a:solidFill>
-                <a:latin typeface="Georgia"/>
-                <a:ea typeface="Georgia"/>
-                <a:cs typeface="Georgia"/>
+              <a:rPr lang="en-IN" sz="1100" dirty="0">
+                <a:solidFill>
+                  <a:schemeClr val="accent3"/>
+                </a:solidFill>
+                <a:latin typeface="Times New Roman" panose="02020603050405020304" pitchFamily="18" charset="0"/>
+                <a:cs typeface="Times New Roman" panose="02020603050405020304" pitchFamily="18" charset="0"/>
               </a:rPr>
               <a:t>, </a:t>
             </a:r>
             <a:r>
-              <a:rPr lang="en-IN" sz="1200" dirty="0" err="1" smtClean="0">
-                <a:solidFill>
-                  <a:srgbClr val="D9D9D9"/>
-                </a:solidFill>
-                <a:latin typeface="Georgia"/>
-                <a:ea typeface="Georgia"/>
-                <a:cs typeface="Georgia"/>
+              <a:rPr lang="en-IN" sz="1100" dirty="0" err="1">
+                <a:solidFill>
+                  <a:schemeClr val="accent3"/>
+                </a:solidFill>
+                <a:latin typeface="Times New Roman" panose="02020603050405020304" pitchFamily="18" charset="0"/>
+                <a:cs typeface="Times New Roman" panose="02020603050405020304" pitchFamily="18" charset="0"/>
               </a:rPr>
               <a:t>R.NogaJes</a:t>
             </a:r>
             <a:r>
-              <a:rPr lang="en-IN" sz="1200" dirty="0" smtClean="0">
-                <a:solidFill>
-                  <a:srgbClr val="D9D9D9"/>
-                </a:solidFill>
-                <a:latin typeface="Georgia"/>
-                <a:ea typeface="Georgia"/>
-                <a:cs typeface="Georgia"/>
+              <a:rPr lang="en-IN" sz="1100" dirty="0">
+                <a:solidFill>
+                  <a:schemeClr val="accent3"/>
+                </a:solidFill>
+                <a:latin typeface="Times New Roman" panose="02020603050405020304" pitchFamily="18" charset="0"/>
+                <a:cs typeface="Times New Roman" panose="02020603050405020304" pitchFamily="18" charset="0"/>
               </a:rPr>
               <a:t>, F1.and </a:t>
             </a:r>
             <a:r>
-              <a:rPr lang="en-IN" sz="1200" dirty="0" err="1" smtClean="0">
-                <a:solidFill>
-                  <a:srgbClr val="D9D9D9"/>
-                </a:solidFill>
-                <a:latin typeface="Georgia"/>
-                <a:ea typeface="Georgia"/>
-                <a:cs typeface="Georgia"/>
+              <a:rPr lang="en-IN" sz="1100" dirty="0" err="1">
+                <a:solidFill>
+                  <a:schemeClr val="accent3"/>
+                </a:solidFill>
+                <a:latin typeface="Times New Roman" panose="02020603050405020304" pitchFamily="18" charset="0"/>
+                <a:cs typeface="Times New Roman" panose="02020603050405020304" pitchFamily="18" charset="0"/>
               </a:rPr>
               <a:t>conejo,AJ</a:t>
             </a:r>
             <a:r>
-              <a:rPr lang="en-IN" sz="1200" dirty="0" smtClean="0">
-                <a:solidFill>
-                  <a:srgbClr val="D9D9D9"/>
-                </a:solidFill>
-                <a:latin typeface="Georgia"/>
-                <a:ea typeface="Georgia"/>
-                <a:cs typeface="Georgia"/>
+              <a:rPr lang="en-IN" sz="1100" dirty="0">
+                <a:solidFill>
+                  <a:schemeClr val="accent3"/>
+                </a:solidFill>
+                <a:latin typeface="Times New Roman" panose="02020603050405020304" pitchFamily="18" charset="0"/>
+                <a:cs typeface="Times New Roman" panose="02020603050405020304" pitchFamily="18" charset="0"/>
               </a:rPr>
               <a:t>.(2003) "ARIMA models to predict next day electricity prices", IFEE transactions on power system, vo1.18, </a:t>
             </a:r>
             <a:r>
-              <a:rPr lang="en-IN" sz="1200" dirty="0" err="1" smtClean="0">
-                <a:solidFill>
-                  <a:srgbClr val="D9D9D9"/>
-                </a:solidFill>
-                <a:latin typeface="Georgia"/>
-                <a:ea typeface="Georgia"/>
-                <a:cs typeface="Georgia"/>
+              <a:rPr lang="en-IN" sz="1100" dirty="0" err="1">
+                <a:solidFill>
+                  <a:schemeClr val="accent3"/>
+                </a:solidFill>
+                <a:latin typeface="Times New Roman" panose="02020603050405020304" pitchFamily="18" charset="0"/>
+                <a:cs typeface="Times New Roman" panose="02020603050405020304" pitchFamily="18" charset="0"/>
               </a:rPr>
               <a:t>noJ,pp</a:t>
             </a:r>
             <a:r>
-              <a:rPr lang="en-IN" sz="1200" dirty="0" smtClean="0">
-                <a:solidFill>
-                  <a:srgbClr val="D9D9D9"/>
-                </a:solidFill>
-                <a:latin typeface="Georgia"/>
-                <a:ea typeface="Georgia"/>
-                <a:cs typeface="Georgia"/>
+              <a:rPr lang="en-IN" sz="1100" dirty="0">
+                <a:solidFill>
+                  <a:schemeClr val="accent3"/>
+                </a:solidFill>
+                <a:latin typeface="Times New Roman" panose="02020603050405020304" pitchFamily="18" charset="0"/>
+                <a:cs typeface="Times New Roman" panose="02020603050405020304" pitchFamily="18" charset="0"/>
               </a:rPr>
               <a:t>: I 014-1 020.</a:t>
             </a:r>
           </a:p>
           <a:p>
-            <a:pPr marL="457200" indent="-304800" algn="just">
-              <a:lnSpc>
-                <a:spcPct val="115000"/>
-              </a:lnSpc>
-              <a:buClr>
-                <a:srgbClr val="D9D9D9"/>
-              </a:buClr>
-              <a:buSzPts val="1200"/>
-              <a:buFont typeface="Georgia"/>
+            <a:pPr marL="228600" lvl="0" indent="-228600">
+              <a:buFont typeface="+mj-lt"/>
               <a:buAutoNum type="arabicPeriod"/>
             </a:pPr>
             <a:r>
-              <a:rPr lang="en-IN" sz="1200" dirty="0" smtClean="0">
-                <a:solidFill>
-                  <a:srgbClr val="D9D9D9"/>
-                </a:solidFill>
-                <a:latin typeface="Georgia"/>
-                <a:ea typeface="Georgia"/>
-                <a:cs typeface="Georgia"/>
+              <a:rPr lang="en-IN" sz="1100" dirty="0">
+                <a:solidFill>
+                  <a:schemeClr val="accent3"/>
+                </a:solidFill>
+                <a:latin typeface="Times New Roman" panose="02020603050405020304" pitchFamily="18" charset="0"/>
+                <a:cs typeface="Times New Roman" panose="02020603050405020304" pitchFamily="18" charset="0"/>
               </a:rPr>
               <a:t>Kumar; K </a:t>
             </a:r>
             <a:r>
-              <a:rPr lang="en-IN" sz="1200" dirty="0" err="1" smtClean="0">
-                <a:solidFill>
-                  <a:srgbClr val="D9D9D9"/>
-                </a:solidFill>
-                <a:latin typeface="Georgia"/>
-                <a:ea typeface="Georgia"/>
-                <a:cs typeface="Georgia"/>
+              <a:rPr lang="en-IN" sz="1100" dirty="0" err="1">
+                <a:solidFill>
+                  <a:schemeClr val="accent3"/>
+                </a:solidFill>
+                <a:latin typeface="Times New Roman" panose="02020603050405020304" pitchFamily="18" charset="0"/>
+                <a:cs typeface="Times New Roman" panose="02020603050405020304" pitchFamily="18" charset="0"/>
               </a:rPr>
               <a:t>Yadav;A.KSingh</a:t>
             </a:r>
             <a:r>
-              <a:rPr lang="en-IN" sz="1200" dirty="0" smtClean="0">
-                <a:solidFill>
-                  <a:srgbClr val="D9D9D9"/>
-                </a:solidFill>
-                <a:latin typeface="Georgia"/>
-                <a:ea typeface="Georgia"/>
-                <a:cs typeface="Georgia"/>
+              <a:rPr lang="en-IN" sz="1100" dirty="0">
+                <a:solidFill>
+                  <a:schemeClr val="accent3"/>
+                </a:solidFill>
+                <a:latin typeface="Times New Roman" panose="02020603050405020304" pitchFamily="18" charset="0"/>
+                <a:cs typeface="Times New Roman" panose="02020603050405020304" pitchFamily="18" charset="0"/>
               </a:rPr>
               <a:t>, M.P; Hassan and </a:t>
             </a:r>
             <a:r>
-              <a:rPr lang="en-IN" sz="1200" dirty="0" err="1" smtClean="0">
-                <a:solidFill>
-                  <a:srgbClr val="D9D9D9"/>
-                </a:solidFill>
-                <a:latin typeface="Georgia"/>
-                <a:ea typeface="Georgia"/>
-                <a:cs typeface="Georgia"/>
+              <a:rPr lang="en-IN" sz="1100" dirty="0" err="1">
+                <a:solidFill>
+                  <a:schemeClr val="accent3"/>
+                </a:solidFill>
+                <a:latin typeface="Times New Roman" panose="02020603050405020304" pitchFamily="18" charset="0"/>
+                <a:cs typeface="Times New Roman" panose="02020603050405020304" pitchFamily="18" charset="0"/>
               </a:rPr>
               <a:t>H.Jain,V.K</a:t>
             </a:r>
             <a:r>
-              <a:rPr lang="en-IN" sz="1200" dirty="0" smtClean="0">
-                <a:solidFill>
-                  <a:srgbClr val="D9D9D9"/>
-                </a:solidFill>
-                <a:latin typeface="Georgia"/>
-                <a:ea typeface="Georgia"/>
-                <a:cs typeface="Georgia"/>
+              <a:rPr lang="en-IN" sz="1100" dirty="0">
+                <a:solidFill>
+                  <a:schemeClr val="accent3"/>
+                </a:solidFill>
+                <a:latin typeface="Times New Roman" panose="02020603050405020304" pitchFamily="18" charset="0"/>
+                <a:cs typeface="Times New Roman" panose="02020603050405020304" pitchFamily="18" charset="0"/>
               </a:rPr>
               <a:t>(2004)"Forecasting Daily Maximum Surface Ozone".</a:t>
             </a:r>
           </a:p>
           <a:p>
-            <a:pPr marL="457200" indent="-304800" algn="just">
-              <a:lnSpc>
-                <a:spcPct val="115000"/>
-              </a:lnSpc>
-              <a:buClr>
-                <a:srgbClr val="D9D9D9"/>
-              </a:buClr>
-              <a:buSzPts val="1200"/>
-              <a:buFont typeface="Georgia"/>
+            <a:pPr marL="228600" lvl="0" indent="-228600">
+              <a:buFont typeface="+mj-lt"/>
               <a:buAutoNum type="arabicPeriod"/>
             </a:pPr>
             <a:r>
-              <a:rPr lang="en-IN" sz="1200" dirty="0" err="1" smtClean="0">
-                <a:solidFill>
-                  <a:srgbClr val="D9D9D9"/>
-                </a:solidFill>
-                <a:latin typeface="Georgia"/>
-                <a:ea typeface="Georgia"/>
-                <a:cs typeface="Georgia"/>
+              <a:rPr lang="en-IN" sz="1100" dirty="0" err="1">
+                <a:solidFill>
+                  <a:schemeClr val="accent3"/>
+                </a:solidFill>
+                <a:latin typeface="Times New Roman" panose="02020603050405020304" pitchFamily="18" charset="0"/>
+                <a:cs typeface="Times New Roman" panose="02020603050405020304" pitchFamily="18" charset="0"/>
               </a:rPr>
               <a:t>Tsitsika,E.V;Maravelias,C.D</a:t>
             </a:r>
             <a:r>
-              <a:rPr lang="en-IN" sz="1200" dirty="0" smtClean="0">
-                <a:solidFill>
-                  <a:srgbClr val="D9D9D9"/>
-                </a:solidFill>
-                <a:latin typeface="Georgia"/>
-                <a:ea typeface="Georgia"/>
-                <a:cs typeface="Georgia"/>
+              <a:rPr lang="en-IN" sz="1100" dirty="0">
+                <a:solidFill>
+                  <a:schemeClr val="accent3"/>
+                </a:solidFill>
+                <a:latin typeface="Times New Roman" panose="02020603050405020304" pitchFamily="18" charset="0"/>
+                <a:cs typeface="Times New Roman" panose="02020603050405020304" pitchFamily="18" charset="0"/>
               </a:rPr>
               <a:t>&amp; </a:t>
             </a:r>
             <a:r>
-              <a:rPr lang="en-IN" sz="1200" dirty="0" err="1" smtClean="0">
-                <a:solidFill>
-                  <a:srgbClr val="D9D9D9"/>
-                </a:solidFill>
-                <a:latin typeface="Georgia"/>
-                <a:ea typeface="Georgia"/>
-                <a:cs typeface="Georgia"/>
+              <a:rPr lang="en-IN" sz="1100" dirty="0" err="1">
+                <a:solidFill>
+                  <a:schemeClr val="accent3"/>
+                </a:solidFill>
+                <a:latin typeface="Times New Roman" panose="02020603050405020304" pitchFamily="18" charset="0"/>
+                <a:cs typeface="Times New Roman" panose="02020603050405020304" pitchFamily="18" charset="0"/>
               </a:rPr>
               <a:t>Haralatous,J</a:t>
             </a:r>
             <a:r>
-              <a:rPr lang="en-IN" sz="1200" dirty="0" smtClean="0">
-                <a:solidFill>
-                  <a:srgbClr val="D9D9D9"/>
-                </a:solidFill>
-                <a:latin typeface="Georgia"/>
-                <a:ea typeface="Georgia"/>
-                <a:cs typeface="Georgia"/>
+              <a:rPr lang="en-IN" sz="1100" dirty="0">
+                <a:solidFill>
+                  <a:schemeClr val="accent3"/>
+                </a:solidFill>
+                <a:latin typeface="Times New Roman" panose="02020603050405020304" pitchFamily="18" charset="0"/>
+                <a:cs typeface="Times New Roman" panose="02020603050405020304" pitchFamily="18" charset="0"/>
               </a:rPr>
               <a:t>. (2007)"Modelling and forecasting pelagic fish production using univariate and multivariate ARIMA models". Fisheries science volume 73,pp:979-988.</a:t>
             </a:r>
           </a:p>
           <a:p>
-            <a:pPr marL="457200" indent="-304800" algn="just">
-              <a:lnSpc>
-                <a:spcPct val="115000"/>
-              </a:lnSpc>
-              <a:buClr>
-                <a:srgbClr val="D9D9D9"/>
-              </a:buClr>
-              <a:buSzPts val="1200"/>
-              <a:buFont typeface="Georgia"/>
+            <a:pPr marL="228600" lvl="0" indent="-228600">
+              <a:buFont typeface="+mj-lt"/>
               <a:buAutoNum type="arabicPeriod"/>
             </a:pPr>
             <a:r>
-              <a:rPr lang="en-IN" sz="1200" dirty="0" err="1" smtClean="0">
-                <a:solidFill>
-                  <a:srgbClr val="D9D9D9"/>
-                </a:solidFill>
-                <a:latin typeface="Georgia"/>
-                <a:ea typeface="Georgia"/>
-                <a:cs typeface="Georgia"/>
+              <a:rPr lang="en-IN" sz="1100" dirty="0" err="1">
+                <a:solidFill>
+                  <a:schemeClr val="accent3"/>
+                </a:solidFill>
+                <a:latin typeface="Times New Roman" panose="02020603050405020304" pitchFamily="18" charset="0"/>
+                <a:cs typeface="Times New Roman" panose="02020603050405020304" pitchFamily="18" charset="0"/>
               </a:rPr>
               <a:t>Datta</a:t>
             </a:r>
             <a:r>
-              <a:rPr lang="en-IN" sz="1200" dirty="0" smtClean="0">
-                <a:solidFill>
-                  <a:srgbClr val="D9D9D9"/>
-                </a:solidFill>
-                <a:latin typeface="Georgia"/>
-                <a:ea typeface="Georgia"/>
-                <a:cs typeface="Georgia"/>
+              <a:rPr lang="en-IN" sz="1100" dirty="0">
+                <a:solidFill>
+                  <a:schemeClr val="accent3"/>
+                </a:solidFill>
+                <a:latin typeface="Times New Roman" panose="02020603050405020304" pitchFamily="18" charset="0"/>
+                <a:cs typeface="Times New Roman" panose="02020603050405020304" pitchFamily="18" charset="0"/>
               </a:rPr>
               <a:t> K.(2011)"ARIMA forecasting of Inflation in the Bangladesh </a:t>
             </a:r>
             <a:r>
-              <a:rPr lang="en-IN" sz="1200" dirty="0" err="1" smtClean="0">
-                <a:solidFill>
-                  <a:srgbClr val="D9D9D9"/>
-                </a:solidFill>
-                <a:latin typeface="Georgia"/>
-                <a:ea typeface="Georgia"/>
-                <a:cs typeface="Georgia"/>
+              <a:rPr lang="en-IN" sz="1100" dirty="0" err="1">
+                <a:solidFill>
+                  <a:schemeClr val="accent3"/>
+                </a:solidFill>
+                <a:latin typeface="Times New Roman" panose="02020603050405020304" pitchFamily="18" charset="0"/>
+                <a:cs typeface="Times New Roman" panose="02020603050405020304" pitchFamily="18" charset="0"/>
               </a:rPr>
               <a:t>Economy",The</a:t>
             </a:r>
             <a:r>
-              <a:rPr lang="en-IN" sz="1200" dirty="0" smtClean="0">
-                <a:solidFill>
-                  <a:srgbClr val="D9D9D9"/>
-                </a:solidFill>
-                <a:latin typeface="Georgia"/>
-                <a:ea typeface="Georgia"/>
-                <a:cs typeface="Georgia"/>
+              <a:rPr lang="en-IN" sz="1100" dirty="0">
+                <a:solidFill>
+                  <a:schemeClr val="accent3"/>
+                </a:solidFill>
+                <a:latin typeface="Times New Roman" panose="02020603050405020304" pitchFamily="18" charset="0"/>
+                <a:cs typeface="Times New Roman" panose="02020603050405020304" pitchFamily="18" charset="0"/>
               </a:rPr>
               <a:t> IUP journal of bank management,voI.X,No.4,pp-7-15.</a:t>
             </a:r>
           </a:p>
           <a:p>
-            <a:pPr marL="457200" indent="-304800" algn="just">
-              <a:lnSpc>
-                <a:spcPct val="115000"/>
-              </a:lnSpc>
-              <a:buClr>
-                <a:srgbClr val="D9D9D9"/>
-              </a:buClr>
-              <a:buSzPts val="1200"/>
-              <a:buFont typeface="Georgia"/>
+            <a:pPr marL="228600" lvl="0" indent="-228600">
+              <a:buFont typeface="+mj-lt"/>
               <a:buAutoNum type="arabicPeriod"/>
             </a:pPr>
             <a:r>
-              <a:rPr lang="en-IN" sz="1200" dirty="0" smtClean="0">
-                <a:solidFill>
-                  <a:srgbClr val="D9D9D9"/>
-                </a:solidFill>
-                <a:latin typeface="Georgia"/>
-                <a:ea typeface="Georgia"/>
-                <a:cs typeface="Georgia"/>
+              <a:rPr lang="en-IN" sz="1100" dirty="0">
+                <a:solidFill>
+                  <a:schemeClr val="accent3"/>
+                </a:solidFill>
+                <a:latin typeface="Times New Roman" panose="02020603050405020304" pitchFamily="18" charset="0"/>
+                <a:cs typeface="Times New Roman" panose="02020603050405020304" pitchFamily="18" charset="0"/>
               </a:rPr>
-              <a:t>D. Banerjee, "Forecasting of Indian stock market using time-series ARIMA model," 2014 2nd International Conference on Business and Information Management (ICBIM), Durgapur, 2014, pp. 131-135, </a:t>
+              <a:t>D. Banerjee, "Forecasting of Indian stock market using time-series ARIMA model," 2014 2nd International Conference on Business and</a:t>
             </a:r>
             <a:r>
-              <a:rPr lang="en-IN" sz="1200" dirty="0" err="1" smtClean="0">
-                <a:solidFill>
-                  <a:srgbClr val="D9D9D9"/>
-                </a:solidFill>
-                <a:latin typeface="Georgia"/>
-                <a:ea typeface="Georgia"/>
-                <a:cs typeface="Georgia"/>
+              <a:rPr lang="en-IN" sz="1100" i="1" dirty="0">
+                <a:solidFill>
+                  <a:schemeClr val="accent3"/>
+                </a:solidFill>
+                <a:latin typeface="Times New Roman" panose="02020603050405020304" pitchFamily="18" charset="0"/>
+                <a:cs typeface="Times New Roman" panose="02020603050405020304" pitchFamily="18" charset="0"/>
+              </a:rPr>
+              <a:t> </a:t>
+            </a:r>
+            <a:r>
+              <a:rPr lang="en-IN" sz="1100" dirty="0">
+                <a:solidFill>
+                  <a:schemeClr val="accent3"/>
+                </a:solidFill>
+                <a:latin typeface="Times New Roman" panose="02020603050405020304" pitchFamily="18" charset="0"/>
+                <a:cs typeface="Times New Roman" panose="02020603050405020304" pitchFamily="18" charset="0"/>
+              </a:rPr>
+              <a:t>Information Management (ICBIM), Durgapur, 2014, pp. 131-135, </a:t>
+            </a:r>
+            <a:r>
+              <a:rPr lang="en-IN" sz="1100" dirty="0" err="1">
+                <a:solidFill>
+                  <a:schemeClr val="accent3"/>
+                </a:solidFill>
+                <a:latin typeface="Times New Roman" panose="02020603050405020304" pitchFamily="18" charset="0"/>
+                <a:cs typeface="Times New Roman" panose="02020603050405020304" pitchFamily="18" charset="0"/>
               </a:rPr>
               <a:t>doi</a:t>
             </a:r>
             <a:r>
-              <a:rPr lang="en-IN" sz="1200" dirty="0" smtClean="0">
-                <a:solidFill>
-                  <a:srgbClr val="D9D9D9"/>
-                </a:solidFill>
-                <a:latin typeface="Georgia"/>
-                <a:ea typeface="Georgia"/>
-                <a:cs typeface="Georgia"/>
+              <a:rPr lang="en-IN" sz="1100" dirty="0">
+                <a:solidFill>
+                  <a:schemeClr val="accent3"/>
+                </a:solidFill>
+                <a:latin typeface="Times New Roman" panose="02020603050405020304" pitchFamily="18" charset="0"/>
+                <a:cs typeface="Times New Roman" panose="02020603050405020304" pitchFamily="18" charset="0"/>
               </a:rPr>
               <a:t>: 10.1109/ICBIM.2014.6970973.</a:t>
             </a:r>
           </a:p>
           <a:p>
-            <a:pPr marL="457200" indent="-304800" algn="just">
-              <a:lnSpc>
-                <a:spcPct val="115000"/>
-              </a:lnSpc>
-              <a:buClr>
-                <a:srgbClr val="D9D9D9"/>
-              </a:buClr>
-              <a:buSzPts val="1200"/>
-              <a:buFont typeface="Georgia"/>
+            <a:pPr marL="228600" lvl="0" indent="-228600">
+              <a:buFont typeface="+mj-lt"/>
               <a:buAutoNum type="arabicPeriod"/>
             </a:pPr>
             <a:r>
-              <a:rPr lang="en-IN" sz="1200" dirty="0" smtClean="0">
-                <a:solidFill>
-                  <a:srgbClr val="D9D9D9"/>
-                </a:solidFill>
-                <a:latin typeface="Georgia"/>
-                <a:ea typeface="Georgia"/>
-                <a:cs typeface="Georgia"/>
+              <a:rPr lang="en-IN" sz="1100" dirty="0">
+                <a:solidFill>
+                  <a:schemeClr val="accent3"/>
+                </a:solidFill>
+                <a:latin typeface="Times New Roman" panose="02020603050405020304" pitchFamily="18" charset="0"/>
+                <a:cs typeface="Times New Roman" panose="02020603050405020304" pitchFamily="18" charset="0"/>
               </a:rPr>
-              <a:t>“Introduction to Time Series Analysis and Forecasting” by Douglas C. Montgomery, Cheryl L. Jennings, and Murat </a:t>
+              <a:t>Q. </a:t>
             </a:r>
             <a:r>
-              <a:rPr lang="en-IN" sz="1200" dirty="0" err="1" smtClean="0">
-                <a:solidFill>
-                  <a:srgbClr val="D9D9D9"/>
-                </a:solidFill>
-                <a:latin typeface="Georgia"/>
-                <a:ea typeface="Georgia"/>
-                <a:cs typeface="Georgia"/>
+              <a:rPr lang="en-IN" sz="1100" dirty="0" err="1">
+                <a:solidFill>
+                  <a:schemeClr val="accent3"/>
+                </a:solidFill>
+                <a:latin typeface="Times New Roman" panose="02020603050405020304" pitchFamily="18" charset="0"/>
+                <a:cs typeface="Times New Roman" panose="02020603050405020304" pitchFamily="18" charset="0"/>
+              </a:rPr>
+              <a:t>Xie</a:t>
+            </a:r>
+            <a:r>
+              <a:rPr lang="en-IN" sz="1100" dirty="0">
+                <a:solidFill>
+                  <a:schemeClr val="accent3"/>
+                </a:solidFill>
+                <a:latin typeface="Times New Roman" panose="02020603050405020304" pitchFamily="18" charset="0"/>
+                <a:cs typeface="Times New Roman" panose="02020603050405020304" pitchFamily="18" charset="0"/>
+              </a:rPr>
+              <a:t>, G. Cheng, X. Xu, and Z. Zhao, “Research based on stock predicting model of neural networks ensemble learning,” in MATEC Web of Conferences, vol. 232. EDP Sciences, 2018, p. 02029. S. Yao, L. Luo and H. Peng, "High-Frequency Stock Trend Forecast Using LSTM Model," </a:t>
+            </a:r>
+            <a:r>
+              <a:rPr lang="en-IN" sz="1100" i="1" dirty="0">
+                <a:solidFill>
+                  <a:schemeClr val="accent3"/>
+                </a:solidFill>
+                <a:latin typeface="Times New Roman" panose="02020603050405020304" pitchFamily="18" charset="0"/>
+                <a:cs typeface="Times New Roman" panose="02020603050405020304" pitchFamily="18" charset="0"/>
+              </a:rPr>
+              <a:t>2018 13th International Conference on Computer Science &amp; Education (ICCSE)</a:t>
+            </a:r>
+            <a:r>
+              <a:rPr lang="en-IN" sz="1100" dirty="0">
+                <a:solidFill>
+                  <a:schemeClr val="accent3"/>
+                </a:solidFill>
+                <a:latin typeface="Times New Roman" panose="02020603050405020304" pitchFamily="18" charset="0"/>
+                <a:cs typeface="Times New Roman" panose="02020603050405020304" pitchFamily="18" charset="0"/>
+              </a:rPr>
+              <a:t>, Colombo, 2018, pp. 1-4, </a:t>
+            </a:r>
+            <a:r>
+              <a:rPr lang="en-IN" sz="1100" dirty="0" err="1">
+                <a:solidFill>
+                  <a:schemeClr val="accent3"/>
+                </a:solidFill>
+                <a:latin typeface="Times New Roman" panose="02020603050405020304" pitchFamily="18" charset="0"/>
+                <a:cs typeface="Times New Roman" panose="02020603050405020304" pitchFamily="18" charset="0"/>
+              </a:rPr>
+              <a:t>doi</a:t>
+            </a:r>
+            <a:r>
+              <a:rPr lang="en-IN" sz="1100" dirty="0">
+                <a:solidFill>
+                  <a:schemeClr val="accent3"/>
+                </a:solidFill>
+                <a:latin typeface="Times New Roman" panose="02020603050405020304" pitchFamily="18" charset="0"/>
+                <a:cs typeface="Times New Roman" panose="02020603050405020304" pitchFamily="18" charset="0"/>
+              </a:rPr>
+              <a:t>: 10.1109/ICCSE.2018.8468703.</a:t>
+            </a:r>
+          </a:p>
+          <a:p>
+            <a:pPr marL="228600" lvl="0" indent="-228600">
+              <a:buFont typeface="+mj-lt"/>
+              <a:buAutoNum type="arabicPeriod"/>
+            </a:pPr>
+            <a:r>
+              <a:rPr lang="en-IN" sz="1100" dirty="0">
+                <a:solidFill>
+                  <a:schemeClr val="accent3"/>
+                </a:solidFill>
+                <a:latin typeface="Times New Roman" panose="02020603050405020304" pitchFamily="18" charset="0"/>
+                <a:cs typeface="Times New Roman" panose="02020603050405020304" pitchFamily="18" charset="0"/>
+              </a:rPr>
+              <a:t> F. Qian and X. Chen, "Stock Prediction Based on LSTM under Different Stability," 2019 IEEE 4th International Conference on Cloud Computing and Big Data Analysis (ICCCBDA), Chengdu, China, 2019, pp. 483-486, </a:t>
+            </a:r>
+            <a:r>
+              <a:rPr lang="en-IN" sz="1100" dirty="0" err="1">
+                <a:solidFill>
+                  <a:schemeClr val="accent3"/>
+                </a:solidFill>
+                <a:latin typeface="Times New Roman" panose="02020603050405020304" pitchFamily="18" charset="0"/>
+                <a:cs typeface="Times New Roman" panose="02020603050405020304" pitchFamily="18" charset="0"/>
+              </a:rPr>
+              <a:t>doi</a:t>
+            </a:r>
+            <a:r>
+              <a:rPr lang="en-IN" sz="1100" dirty="0">
+                <a:solidFill>
+                  <a:schemeClr val="accent3"/>
+                </a:solidFill>
+                <a:latin typeface="Times New Roman" panose="02020603050405020304" pitchFamily="18" charset="0"/>
+                <a:cs typeface="Times New Roman" panose="02020603050405020304" pitchFamily="18" charset="0"/>
+              </a:rPr>
+              <a:t>: 10.1109/ICCCBDA.2019.8725709.</a:t>
+            </a:r>
+          </a:p>
+          <a:p>
+            <a:pPr marL="228600" lvl="0" indent="-228600">
+              <a:buFont typeface="+mj-lt"/>
+              <a:buAutoNum type="arabicPeriod"/>
+            </a:pPr>
+            <a:r>
+              <a:rPr lang="en-IN" sz="1100" dirty="0">
+                <a:solidFill>
+                  <a:schemeClr val="accent3"/>
+                </a:solidFill>
+                <a:latin typeface="Times New Roman" panose="02020603050405020304" pitchFamily="18" charset="0"/>
+                <a:cs typeface="Times New Roman" panose="02020603050405020304" pitchFamily="18" charset="0"/>
+              </a:rPr>
+              <a:t> </a:t>
+            </a:r>
+            <a:r>
+              <a:rPr lang="en-IN" sz="1100" dirty="0" err="1">
+                <a:solidFill>
+                  <a:schemeClr val="accent3"/>
+                </a:solidFill>
+                <a:latin typeface="Times New Roman" panose="02020603050405020304" pitchFamily="18" charset="0"/>
+                <a:cs typeface="Times New Roman" panose="02020603050405020304" pitchFamily="18" charset="0"/>
+              </a:rPr>
+              <a:t>S.Kamath</a:t>
+            </a:r>
+            <a:r>
+              <a:rPr lang="en-IN" sz="1100" dirty="0">
+                <a:solidFill>
+                  <a:schemeClr val="accent3"/>
+                </a:solidFill>
+                <a:latin typeface="Times New Roman" panose="02020603050405020304" pitchFamily="18" charset="0"/>
+                <a:cs typeface="Times New Roman" panose="02020603050405020304" pitchFamily="18" charset="0"/>
+              </a:rPr>
+              <a:t>, “Stock Market Analysis”, Master’s Projects, pp. 326, 2012</a:t>
+            </a:r>
+          </a:p>
+          <a:p>
+            <a:pPr marL="228600" lvl="0" indent="-228600">
+              <a:buFont typeface="+mj-lt"/>
+              <a:buAutoNum type="arabicPeriod"/>
+            </a:pPr>
+            <a:r>
+              <a:rPr lang="en-IN" sz="1100" dirty="0">
+                <a:solidFill>
+                  <a:schemeClr val="accent3"/>
+                </a:solidFill>
+                <a:latin typeface="Times New Roman" panose="02020603050405020304" pitchFamily="18" charset="0"/>
+                <a:cs typeface="Times New Roman" panose="02020603050405020304" pitchFamily="18" charset="0"/>
+              </a:rPr>
+              <a:t> </a:t>
+            </a:r>
+            <a:r>
+              <a:rPr lang="en-IN" sz="1100" dirty="0" err="1">
+                <a:solidFill>
+                  <a:schemeClr val="accent3"/>
+                </a:solidFill>
+                <a:latin typeface="Times New Roman" panose="02020603050405020304" pitchFamily="18" charset="0"/>
+                <a:cs typeface="Times New Roman" panose="02020603050405020304" pitchFamily="18" charset="0"/>
+              </a:rPr>
+              <a:t>P.Domingos</a:t>
+            </a:r>
+            <a:r>
+              <a:rPr lang="en-IN" sz="1100" dirty="0">
+                <a:solidFill>
+                  <a:schemeClr val="accent3"/>
+                </a:solidFill>
+                <a:latin typeface="Times New Roman" panose="02020603050405020304" pitchFamily="18" charset="0"/>
+                <a:cs typeface="Times New Roman" panose="02020603050405020304" pitchFamily="18" charset="0"/>
+              </a:rPr>
+              <a:t>, “A Few Useful Things to Know about Machine </a:t>
+            </a:r>
+            <a:r>
+              <a:rPr lang="en-IN" sz="1100" dirty="0" err="1">
+                <a:solidFill>
+                  <a:schemeClr val="accent3"/>
+                </a:solidFill>
+                <a:latin typeface="Times New Roman" panose="02020603050405020304" pitchFamily="18" charset="0"/>
+                <a:cs typeface="Times New Roman" panose="02020603050405020304" pitchFamily="18" charset="0"/>
+              </a:rPr>
+              <a:t>Learning,”Communications</a:t>
+            </a:r>
+            <a:r>
+              <a:rPr lang="en-IN" sz="1100" dirty="0">
+                <a:solidFill>
+                  <a:schemeClr val="accent3"/>
+                </a:solidFill>
+                <a:latin typeface="Times New Roman" panose="02020603050405020304" pitchFamily="18" charset="0"/>
+                <a:cs typeface="Times New Roman" panose="02020603050405020304" pitchFamily="18" charset="0"/>
+              </a:rPr>
+              <a:t> of the ACM, Vol. 55 No. 10, October 2012.</a:t>
+            </a:r>
+          </a:p>
+          <a:p>
+            <a:pPr marL="228600" lvl="0" indent="-228600">
+              <a:buFont typeface="+mj-lt"/>
+              <a:buAutoNum type="arabicPeriod"/>
+            </a:pPr>
+            <a:r>
+              <a:rPr lang="en-IN" sz="1100" dirty="0">
+                <a:solidFill>
+                  <a:schemeClr val="accent3"/>
+                </a:solidFill>
+                <a:latin typeface="Times New Roman" panose="02020603050405020304" pitchFamily="18" charset="0"/>
+                <a:cs typeface="Times New Roman" panose="02020603050405020304" pitchFamily="18" charset="0"/>
+              </a:rPr>
+              <a:t> “Introduction to Time Series Analysis and Forecasting” by Douglas C. Montgomery, Cheryl L. Jennings, and Murat </a:t>
+            </a:r>
+            <a:r>
+              <a:rPr lang="en-IN" sz="1100" dirty="0" err="1">
+                <a:solidFill>
+                  <a:schemeClr val="accent3"/>
+                </a:solidFill>
+                <a:latin typeface="Times New Roman" panose="02020603050405020304" pitchFamily="18" charset="0"/>
+                <a:cs typeface="Times New Roman" panose="02020603050405020304" pitchFamily="18" charset="0"/>
               </a:rPr>
               <a:t>Kulahci</a:t>
             </a:r>
-            <a:endParaRPr lang="en-IN" sz="1200" dirty="0" smtClean="0">
+            <a:endParaRPr lang="en-IN" sz="1100" dirty="0">
               <a:solidFill>
-                <a:srgbClr val="D9D9D9"/>
+                <a:schemeClr val="accent3"/>
               </a:solidFill>
-              <a:latin typeface="Georgia"/>
-              <a:ea typeface="Georgia"/>
-              <a:cs typeface="Georgia"/>
+              <a:latin typeface="Times New Roman" panose="02020603050405020304" pitchFamily="18" charset="0"/>
+              <a:cs typeface="Times New Roman" panose="02020603050405020304" pitchFamily="18" charset="0"/>
             </a:endParaRPr>
           </a:p>
           <a:p>
-            <a:pPr marL="457200" indent="-304800" algn="just">
-              <a:lnSpc>
-                <a:spcPct val="115000"/>
-              </a:lnSpc>
-              <a:buClr>
-                <a:srgbClr val="D9D9D9"/>
-              </a:buClr>
-              <a:buSzPts val="1200"/>
-              <a:buFont typeface="Georgia"/>
+            <a:pPr marL="228600" lvl="0" indent="-228600">
+              <a:buFont typeface="+mj-lt"/>
               <a:buAutoNum type="arabicPeriod"/>
             </a:pPr>
             <a:r>
-              <a:rPr lang="en-IN" sz="1200" dirty="0" smtClean="0">
-                <a:solidFill>
-                  <a:srgbClr val="D9D9D9"/>
-                </a:solidFill>
-                <a:latin typeface="Georgia"/>
-                <a:ea typeface="Georgia"/>
-                <a:cs typeface="Georgia"/>
+              <a:rPr lang="en-IN" sz="1100" dirty="0">
+                <a:solidFill>
+                  <a:schemeClr val="accent3"/>
+                </a:solidFill>
+                <a:latin typeface="Times New Roman" panose="02020603050405020304" pitchFamily="18" charset="0"/>
+                <a:cs typeface="Times New Roman" panose="02020603050405020304" pitchFamily="18" charset="0"/>
               </a:rPr>
-              <a:t>“Time Series Analysis: Forecasting and Control” by George E. P. Box, </a:t>
+              <a:t> “Time Series Analysis: Forecasting and Control” by George E. P. Box, </a:t>
             </a:r>
             <a:r>
-              <a:rPr lang="en-IN" sz="1200" dirty="0" err="1" smtClean="0">
-                <a:solidFill>
-                  <a:srgbClr val="D9D9D9"/>
-                </a:solidFill>
-                <a:latin typeface="Georgia"/>
-                <a:ea typeface="Georgia"/>
-                <a:cs typeface="Georgia"/>
+              <a:rPr lang="en-IN" sz="1100" dirty="0" err="1">
+                <a:solidFill>
+                  <a:schemeClr val="accent3"/>
+                </a:solidFill>
+                <a:latin typeface="Times New Roman" panose="02020603050405020304" pitchFamily="18" charset="0"/>
+                <a:cs typeface="Times New Roman" panose="02020603050405020304" pitchFamily="18" charset="0"/>
               </a:rPr>
               <a:t>Gwilym</a:t>
             </a:r>
             <a:r>
-              <a:rPr lang="en-IN" sz="1200" dirty="0" smtClean="0">
-                <a:solidFill>
-                  <a:srgbClr val="D9D9D9"/>
-                </a:solidFill>
-                <a:latin typeface="Georgia"/>
-                <a:ea typeface="Georgia"/>
-                <a:cs typeface="Georgia"/>
+              <a:rPr lang="en-IN" sz="1100" dirty="0">
+                <a:solidFill>
+                  <a:schemeClr val="accent3"/>
+                </a:solidFill>
+                <a:latin typeface="Times New Roman" panose="02020603050405020304" pitchFamily="18" charset="0"/>
+                <a:cs typeface="Times New Roman" panose="02020603050405020304" pitchFamily="18" charset="0"/>
               </a:rPr>
               <a:t> M. Jenkins, Gregory C. </a:t>
             </a:r>
             <a:r>
-              <a:rPr lang="en-IN" sz="1200" dirty="0" err="1" smtClean="0">
-                <a:solidFill>
-                  <a:srgbClr val="D9D9D9"/>
-                </a:solidFill>
-                <a:latin typeface="Georgia"/>
-                <a:ea typeface="Georgia"/>
-                <a:cs typeface="Georgia"/>
+              <a:rPr lang="en-IN" sz="1100" dirty="0" err="1">
+                <a:solidFill>
+                  <a:schemeClr val="accent3"/>
+                </a:solidFill>
+                <a:latin typeface="Times New Roman" panose="02020603050405020304" pitchFamily="18" charset="0"/>
+                <a:cs typeface="Times New Roman" panose="02020603050405020304" pitchFamily="18" charset="0"/>
               </a:rPr>
               <a:t>Reinsel</a:t>
             </a:r>
             <a:r>
-              <a:rPr lang="en-IN" sz="1200" dirty="0" smtClean="0">
-                <a:solidFill>
-                  <a:srgbClr val="D9D9D9"/>
-                </a:solidFill>
-                <a:latin typeface="Georgia"/>
-                <a:ea typeface="Georgia"/>
-                <a:cs typeface="Georgia"/>
+              <a:rPr lang="en-IN" sz="1100" dirty="0">
+                <a:solidFill>
+                  <a:schemeClr val="accent3"/>
+                </a:solidFill>
+                <a:latin typeface="Times New Roman" panose="02020603050405020304" pitchFamily="18" charset="0"/>
+                <a:cs typeface="Times New Roman" panose="02020603050405020304" pitchFamily="18" charset="0"/>
               </a:rPr>
               <a:t>, and Greta M. </a:t>
             </a:r>
             <a:r>
-              <a:rPr lang="en-IN" sz="1200" dirty="0" err="1" smtClean="0">
-                <a:solidFill>
-                  <a:srgbClr val="D9D9D9"/>
-                </a:solidFill>
-                <a:latin typeface="Georgia"/>
-                <a:ea typeface="Georgia"/>
-                <a:cs typeface="Georgia"/>
+              <a:rPr lang="en-IN" sz="1100" dirty="0" err="1">
+                <a:solidFill>
+                  <a:schemeClr val="accent3"/>
+                </a:solidFill>
+                <a:latin typeface="Times New Roman" panose="02020603050405020304" pitchFamily="18" charset="0"/>
+                <a:cs typeface="Times New Roman" panose="02020603050405020304" pitchFamily="18" charset="0"/>
               </a:rPr>
               <a:t>Ljung</a:t>
             </a:r>
-            <a:endParaRPr lang="en-IN" sz="1200" dirty="0" smtClean="0">
+            <a:endParaRPr lang="en-IN" sz="1100" dirty="0">
               <a:solidFill>
-                <a:srgbClr val="D9D9D9"/>
+                <a:schemeClr val="accent3"/>
               </a:solidFill>
-              <a:latin typeface="Georgia"/>
-              <a:ea typeface="Georgia"/>
-              <a:cs typeface="Georgia"/>
+              <a:latin typeface="Times New Roman" panose="02020603050405020304" pitchFamily="18" charset="0"/>
+              <a:cs typeface="Times New Roman" panose="02020603050405020304" pitchFamily="18" charset="0"/>
             </a:endParaRPr>
           </a:p>
           <a:p>
-            <a:pPr marL="457200" indent="-304800" algn="just">
-              <a:lnSpc>
-                <a:spcPct val="115000"/>
-              </a:lnSpc>
-              <a:buClr>
-                <a:srgbClr val="D9D9D9"/>
-              </a:buClr>
-              <a:buSzPts val="1200"/>
-              <a:buFont typeface="Georgia"/>
+            <a:pPr marL="228600" lvl="0" indent="-228600">
+              <a:buFont typeface="+mj-lt"/>
               <a:buAutoNum type="arabicPeriod"/>
             </a:pPr>
             <a:r>
-              <a:rPr lang="en-IN" sz="1200" dirty="0" smtClean="0">
-                <a:solidFill>
-                  <a:srgbClr val="D9D9D9"/>
-                </a:solidFill>
-                <a:latin typeface="Georgia"/>
-                <a:ea typeface="Georgia"/>
-                <a:cs typeface="Georgia"/>
+              <a:rPr lang="en-IN" sz="1100" dirty="0">
+                <a:solidFill>
+                  <a:schemeClr val="accent3"/>
+                </a:solidFill>
+                <a:latin typeface="Times New Roman" panose="02020603050405020304" pitchFamily="18" charset="0"/>
+                <a:cs typeface="Times New Roman" panose="02020603050405020304" pitchFamily="18" charset="0"/>
               </a:rPr>
               <a:t> Chris Chatfield, "The analysis of time series An introduction"</a:t>
             </a:r>
-          </a:p>
-          <a:p>
-            <a:pPr marL="457200" indent="-304800" algn="just">
-              <a:lnSpc>
-                <a:spcPct val="115000"/>
-              </a:lnSpc>
-              <a:buClr>
-                <a:srgbClr val="D9D9D9"/>
-              </a:buClr>
-              <a:buSzPts val="1200"/>
-              <a:buFont typeface="Georgia"/>
-              <a:buAutoNum type="arabicPeriod"/>
-            </a:pPr>
-            <a:endParaRPr sz="1200" dirty="0">
-              <a:solidFill>
-                <a:srgbClr val="D9D9D9"/>
-              </a:solidFill>
-              <a:latin typeface="Georgia"/>
-              <a:ea typeface="Georgia"/>
-              <a:cs typeface="Georgia"/>
-              <a:sym typeface="Georgia"/>
-            </a:endParaRPr>
           </a:p>
         </p:txBody>
       </p:sp>
